--- a/Prezentacie/2. Premenna.pptx
+++ b/Prezentacie/2. Premenna.pptx
@@ -211,7 +211,7 @@
           <a:p>
             <a:fld id="{4F3E452C-F731-4C85-88B7-BBC1ACAE70C5}" type="datetimeFigureOut">
               <a:rPr lang="en-US" smtClean="0"/>
-              <a:t>5/13/2024</a:t>
+              <a:t>5/14/2024</a:t>
             </a:fld>
             <a:endParaRPr lang="en-US"/>
           </a:p>
@@ -625,7 +625,7 @@
           <a:p>
             <a:fld id="{C6D1D05D-6717-4374-B87D-096DC22F5C0A}" type="datetime1">
               <a:rPr lang="en-US" smtClean="0"/>
-              <a:t>5/13/2024</a:t>
+              <a:t>5/14/2024</a:t>
             </a:fld>
             <a:endParaRPr lang="en-US"/>
           </a:p>
@@ -826,7 +826,7 @@
           <a:p>
             <a:fld id="{455DE689-FABD-46E8-9079-363D5217DC67}" type="datetime1">
               <a:rPr lang="en-US" smtClean="0"/>
-              <a:t>5/13/2024</a:t>
+              <a:t>5/14/2024</a:t>
             </a:fld>
             <a:endParaRPr lang="en-US"/>
           </a:p>
@@ -1037,7 +1037,7 @@
           <a:p>
             <a:fld id="{4AD2767F-3E70-431A-96D0-53C1C74B7CF1}" type="datetime1">
               <a:rPr lang="en-US" smtClean="0"/>
-              <a:t>5/13/2024</a:t>
+              <a:t>5/14/2024</a:t>
             </a:fld>
             <a:endParaRPr lang="en-US"/>
           </a:p>
@@ -1238,7 +1238,7 @@
           <a:p>
             <a:fld id="{F993329C-A707-4F4C-9488-666D7E6FCA82}" type="datetime1">
               <a:rPr lang="en-US" smtClean="0"/>
-              <a:t>5/13/2024</a:t>
+              <a:t>5/14/2024</a:t>
             </a:fld>
             <a:endParaRPr lang="en-US"/>
           </a:p>
@@ -1516,7 +1516,7 @@
           <a:p>
             <a:fld id="{1CA440D3-466D-451C-AC41-A4BB3EDA577B}" type="datetime1">
               <a:rPr lang="en-US" smtClean="0"/>
-              <a:t>5/13/2024</a:t>
+              <a:t>5/14/2024</a:t>
             </a:fld>
             <a:endParaRPr lang="en-US"/>
           </a:p>
@@ -1784,7 +1784,7 @@
           <a:p>
             <a:fld id="{C93B4A12-0031-4BBA-BCE1-3A2EAAAE01D8}" type="datetime1">
               <a:rPr lang="en-US" smtClean="0"/>
-              <a:t>5/13/2024</a:t>
+              <a:t>5/14/2024</a:t>
             </a:fld>
             <a:endParaRPr lang="en-US"/>
           </a:p>
@@ -2199,7 +2199,7 @@
           <a:p>
             <a:fld id="{A58716FE-8BA3-4B67-9033-93ECD6D9DF7B}" type="datetime1">
               <a:rPr lang="en-US" smtClean="0"/>
-              <a:t>5/13/2024</a:t>
+              <a:t>5/14/2024</a:t>
             </a:fld>
             <a:endParaRPr lang="en-US"/>
           </a:p>
@@ -2343,7 +2343,7 @@
           <a:p>
             <a:fld id="{5D21AC9B-27C7-4D05-957C-2DB12FFC9F42}" type="datetime1">
               <a:rPr lang="en-US" smtClean="0"/>
-              <a:t>5/13/2024</a:t>
+              <a:t>5/14/2024</a:t>
             </a:fld>
             <a:endParaRPr lang="en-US"/>
           </a:p>
@@ -2459,7 +2459,7 @@
           <a:p>
             <a:fld id="{31B28BF7-5A64-4505-8614-3700F02F7D08}" type="datetime1">
               <a:rPr lang="en-US" smtClean="0"/>
-              <a:t>5/13/2024</a:t>
+              <a:t>5/14/2024</a:t>
             </a:fld>
             <a:endParaRPr lang="en-US"/>
           </a:p>
@@ -2773,7 +2773,7 @@
           <a:p>
             <a:fld id="{177D2A7B-E0D0-415D-9F1B-912E5143548D}" type="datetime1">
               <a:rPr lang="en-US" smtClean="0"/>
-              <a:t>5/13/2024</a:t>
+              <a:t>5/14/2024</a:t>
             </a:fld>
             <a:endParaRPr lang="en-US"/>
           </a:p>
@@ -3064,7 +3064,7 @@
           <a:p>
             <a:fld id="{75AA7CB9-878F-4670-A099-60864DF2AE35}" type="datetime1">
               <a:rPr lang="en-US" smtClean="0"/>
-              <a:t>5/13/2024</a:t>
+              <a:t>5/14/2024</a:t>
             </a:fld>
             <a:endParaRPr lang="en-US"/>
           </a:p>
@@ -3308,7 +3308,7 @@
           <a:p>
             <a:fld id="{2943BBEC-6EF5-41A6-877E-E3970359EA7A}" type="datetime1">
               <a:rPr lang="en-US" smtClean="0"/>
-              <a:t>5/13/2024</a:t>
+              <a:t>5/14/2024</a:t>
             </a:fld>
             <a:endParaRPr lang="en-US"/>
           </a:p>
@@ -4169,31 +4169,146 @@
                   <a:srgbClr val="0070C0"/>
                 </a:solidFill>
               </a:rPr>
-              <a:t>terminálu</a:t>
-            </a:r>
-            <a:r>
-              <a:rPr lang="en-US" dirty="0">
-                <a:solidFill>
-                  <a:srgbClr val="0070C0"/>
-                </a:solidFill>
-              </a:rPr>
-              <a:t> a </a:t>
-            </a:r>
-            <a:r>
-              <a:rPr lang="en-US" dirty="0" err="1">
-                <a:solidFill>
-                  <a:srgbClr val="0070C0"/>
-                </a:solidFill>
-              </a:rPr>
-              <a:t>stlačí</a:t>
-            </a:r>
-            <a:r>
-              <a:rPr lang="en-US" dirty="0">
-                <a:solidFill>
-                  <a:srgbClr val="0070C0"/>
-                </a:solidFill>
-              </a:rPr>
-              <a:t> enter</a:t>
+              <a:t>terminál</a:t>
+            </a:r>
+            <a:r>
+              <a:rPr lang="sk-SK" dirty="0">
+                <a:solidFill>
+                  <a:srgbClr val="0070C0"/>
+                </a:solidFill>
+              </a:rPr>
+              <a:t>u</a:t>
+            </a:r>
+          </a:p>
+          <a:p>
+            <a:pPr algn="just"/>
+            <a:r>
+              <a:rPr lang="en-US" dirty="0" err="1">
+                <a:solidFill>
+                  <a:srgbClr val="0070C0"/>
+                </a:solidFill>
+              </a:rPr>
+              <a:t>funkcia</a:t>
+            </a:r>
+            <a:r>
+              <a:rPr lang="en-US" dirty="0">
+                <a:solidFill>
+                  <a:srgbClr val="0070C0"/>
+                </a:solidFill>
+              </a:rPr>
+              <a:t> </a:t>
+            </a:r>
+            <a:r>
+              <a:rPr lang="en-US" dirty="0" err="1">
+                <a:solidFill>
+                  <a:srgbClr val="0070C0"/>
+                </a:solidFill>
+              </a:rPr>
+              <a:t>má</a:t>
+            </a:r>
+            <a:r>
+              <a:rPr lang="en-US" dirty="0">
+                <a:solidFill>
+                  <a:srgbClr val="0070C0"/>
+                </a:solidFill>
+              </a:rPr>
+              <a:t> </a:t>
+            </a:r>
+            <a:r>
+              <a:rPr lang="en-US" dirty="0" err="1">
+                <a:solidFill>
+                  <a:srgbClr val="0070C0"/>
+                </a:solidFill>
+              </a:rPr>
+              <a:t>návratovú</a:t>
+            </a:r>
+            <a:r>
+              <a:rPr lang="en-US" dirty="0">
+                <a:solidFill>
+                  <a:srgbClr val="0070C0"/>
+                </a:solidFill>
+              </a:rPr>
+              <a:t> </a:t>
+            </a:r>
+            <a:r>
+              <a:rPr lang="en-US" dirty="0" err="1">
+                <a:solidFill>
+                  <a:srgbClr val="0070C0"/>
+                </a:solidFill>
+              </a:rPr>
+              <a:t>hodnotu</a:t>
+            </a:r>
+            <a:r>
+              <a:rPr lang="sk-SK" dirty="0">
+                <a:solidFill>
+                  <a:srgbClr val="0070C0"/>
+                </a:solidFill>
+              </a:rPr>
+              <a:t> -</a:t>
+            </a:r>
+            <a:r>
+              <a:rPr lang="en-US" dirty="0">
+                <a:solidFill>
+                  <a:srgbClr val="0070C0"/>
+                </a:solidFill>
+              </a:rPr>
+              <a:t> po </a:t>
+            </a:r>
+            <a:r>
+              <a:rPr lang="en-US" dirty="0" err="1">
+                <a:solidFill>
+                  <a:srgbClr val="0070C0"/>
+                </a:solidFill>
+              </a:rPr>
+              <a:t>jej</a:t>
+            </a:r>
+            <a:r>
+              <a:rPr lang="en-US" dirty="0">
+                <a:solidFill>
+                  <a:srgbClr val="0070C0"/>
+                </a:solidFill>
+              </a:rPr>
+              <a:t> </a:t>
+            </a:r>
+            <a:r>
+              <a:rPr lang="en-US" dirty="0" err="1">
+                <a:solidFill>
+                  <a:srgbClr val="0070C0"/>
+                </a:solidFill>
+              </a:rPr>
+              <a:t>vykonaní</a:t>
+            </a:r>
+            <a:r>
+              <a:rPr lang="en-US" dirty="0">
+                <a:solidFill>
+                  <a:srgbClr val="0070C0"/>
+                </a:solidFill>
+              </a:rPr>
+              <a:t> </a:t>
+            </a:r>
+            <a:r>
+              <a:rPr lang="en-US" dirty="0" err="1">
+                <a:solidFill>
+                  <a:srgbClr val="0070C0"/>
+                </a:solidFill>
+              </a:rPr>
+              <a:t>vráti</a:t>
+            </a:r>
+            <a:r>
+              <a:rPr lang="sk-SK" dirty="0">
+                <a:solidFill>
+                  <a:srgbClr val="0070C0"/>
+                </a:solidFill>
+              </a:rPr>
+              <a:t> </a:t>
+            </a:r>
+            <a:r>
+              <a:rPr lang="en-US" dirty="0" err="1">
+                <a:solidFill>
+                  <a:srgbClr val="0070C0"/>
+                </a:solidFill>
+              </a:rPr>
+              <a:t>hodnotu</a:t>
             </a:r>
             <a:endParaRPr lang="sk-SK" dirty="0">
               <a:solidFill>
@@ -4204,12 +4319,12 @@
           <a:p>
             <a:pPr algn="just"/>
             <a:r>
-              <a:rPr lang="en-US" dirty="0" err="1">
-                <a:solidFill>
-                  <a:srgbClr val="0070C0"/>
-                </a:solidFill>
-              </a:rPr>
-              <a:t>funkcia</a:t>
+              <a:rPr lang="sk-SK" dirty="0">
+                <a:solidFill>
+                  <a:srgbClr val="0070C0"/>
+                </a:solidFill>
+              </a:rPr>
+              <a:t>v</a:t>
             </a:r>
             <a:r>
               <a:rPr lang="en-US" dirty="0">
@@ -4225,7 +4340,7 @@
                   <a:srgbClr val="0070C0"/>
                 </a:solidFill>
               </a:rPr>
-              <a:t>má</a:t>
+              <a:t>tomto</a:t>
             </a:r>
             <a:r>
               <a:rPr lang="en-US" dirty="0">
@@ -4241,7 +4356,23 @@
                   <a:srgbClr val="0070C0"/>
                 </a:solidFill>
               </a:rPr>
-              <a:t>návratovú</a:t>
+              <a:t>prípade</a:t>
+            </a:r>
+            <a:r>
+              <a:rPr lang="en-US" dirty="0">
+                <a:solidFill>
+                  <a:srgbClr val="0070C0"/>
+                </a:solidFill>
+              </a:rPr>
+              <a:t> je </a:t>
+            </a:r>
+            <a:r>
+              <a:rPr lang="en-US" dirty="0" err="1">
+                <a:solidFill>
+                  <a:srgbClr val="0070C0"/>
+                </a:solidFill>
+              </a:rPr>
+              <a:t>návratová</a:t>
             </a:r>
             <a:r>
               <a:rPr lang="en-US" dirty="0">
@@ -4257,31 +4388,7 @@
                   <a:srgbClr val="0070C0"/>
                 </a:solidFill>
               </a:rPr>
-              <a:t>hodnotu</a:t>
-            </a:r>
-            <a:r>
-              <a:rPr lang="sk-SK" dirty="0">
-                <a:solidFill>
-                  <a:srgbClr val="0070C0"/>
-                </a:solidFill>
-              </a:rPr>
-              <a:t> -</a:t>
-            </a:r>
-            <a:r>
-              <a:rPr lang="en-US" dirty="0">
-                <a:solidFill>
-                  <a:srgbClr val="0070C0"/>
-                </a:solidFill>
-              </a:rPr>
-              <a:t> po </a:t>
-            </a:r>
-            <a:r>
-              <a:rPr lang="en-US" dirty="0" err="1">
-                <a:solidFill>
-                  <a:srgbClr val="0070C0"/>
-                </a:solidFill>
-              </a:rPr>
-              <a:t>jej</a:t>
+              <a:t>hodnota</a:t>
             </a:r>
             <a:r>
               <a:rPr lang="en-US" dirty="0">
@@ -4297,7 +4404,39 @@
                   <a:srgbClr val="0070C0"/>
                 </a:solidFill>
               </a:rPr>
-              <a:t>vykonaní</a:t>
+              <a:t>práve</a:t>
+            </a:r>
+            <a:r>
+              <a:rPr lang="en-US" dirty="0">
+                <a:solidFill>
+                  <a:srgbClr val="0070C0"/>
+                </a:solidFill>
+              </a:rPr>
+              <a:t> ten </a:t>
+            </a:r>
+            <a:r>
+              <a:rPr lang="en-US" dirty="0" err="1">
+                <a:solidFill>
+                  <a:srgbClr val="0070C0"/>
+                </a:solidFill>
+              </a:rPr>
+              <a:t>obsah</a:t>
+            </a:r>
+            <a:r>
+              <a:rPr lang="en-US" dirty="0">
+                <a:solidFill>
+                  <a:srgbClr val="0070C0"/>
+                </a:solidFill>
+              </a:rPr>
+              <a:t>, </a:t>
+            </a:r>
+            <a:r>
+              <a:rPr lang="en-US" dirty="0" err="1">
+                <a:solidFill>
+                  <a:srgbClr val="0070C0"/>
+                </a:solidFill>
+              </a:rPr>
+              <a:t>ktorý</a:t>
             </a:r>
             <a:r>
               <a:rPr lang="en-US" dirty="0">
@@ -4313,10 +4452,10 @@
                   <a:srgbClr val="0070C0"/>
                 </a:solidFill>
               </a:rPr>
-              <a:t>vráti</a:t>
-            </a:r>
-            <a:r>
-              <a:rPr lang="sk-SK" dirty="0">
+              <a:t>uživateľ</a:t>
+            </a:r>
+            <a:r>
+              <a:rPr lang="en-US" dirty="0">
                 <a:solidFill>
                   <a:srgbClr val="0070C0"/>
                 </a:solidFill>
@@ -4329,7 +4468,7 @@
                   <a:srgbClr val="0070C0"/>
                 </a:solidFill>
               </a:rPr>
-              <a:t>hodnotu</a:t>
+              <a:t>napísal</a:t>
             </a:r>
             <a:endParaRPr lang="sk-SK" dirty="0">
               <a:solidFill>
@@ -4345,7 +4484,15 @@
                   <a:srgbClr val="0070C0"/>
                 </a:solidFill>
               </a:rPr>
-              <a:t>v</a:t>
+              <a:t>t</a:t>
+            </a:r>
+            <a:r>
+              <a:rPr lang="en-US" dirty="0" err="1">
+                <a:solidFill>
+                  <a:srgbClr val="0070C0"/>
+                </a:solidFill>
+              </a:rPr>
+              <a:t>úto</a:t>
             </a:r>
             <a:r>
               <a:rPr lang="en-US" dirty="0">
@@ -4361,7 +4508,7 @@
                   <a:srgbClr val="0070C0"/>
                 </a:solidFill>
               </a:rPr>
-              <a:t>tomto</a:t>
+              <a:t>hodnotu</a:t>
             </a:r>
             <a:r>
               <a:rPr lang="en-US" dirty="0">
@@ -4377,23 +4524,7 @@
                   <a:srgbClr val="0070C0"/>
                 </a:solidFill>
               </a:rPr>
-              <a:t>prípade</a:t>
-            </a:r>
-            <a:r>
-              <a:rPr lang="en-US" dirty="0">
-                <a:solidFill>
-                  <a:srgbClr val="0070C0"/>
-                </a:solidFill>
-              </a:rPr>
-              <a:t> je </a:t>
-            </a:r>
-            <a:r>
-              <a:rPr lang="en-US" dirty="0" err="1">
-                <a:solidFill>
-                  <a:srgbClr val="0070C0"/>
-                </a:solidFill>
-              </a:rPr>
-              <a:t>návratová</a:t>
+              <a:t>si</a:t>
             </a:r>
             <a:r>
               <a:rPr lang="en-US" dirty="0">
@@ -4409,7 +4540,63 @@
                   <a:srgbClr val="0070C0"/>
                 </a:solidFill>
               </a:rPr>
-              <a:t>hodnota</a:t>
+              <a:t>môž</a:t>
+            </a:r>
+            <a:r>
+              <a:rPr lang="sk-SK" dirty="0">
+                <a:solidFill>
+                  <a:srgbClr val="0070C0"/>
+                </a:solidFill>
+              </a:rPr>
+              <a:t>e</a:t>
+            </a:r>
+            <a:r>
+              <a:rPr lang="en-US" dirty="0">
+                <a:solidFill>
+                  <a:srgbClr val="0070C0"/>
+                </a:solidFill>
+              </a:rPr>
+              <a:t>me </a:t>
+            </a:r>
+            <a:r>
+              <a:rPr lang="en-US" dirty="0" err="1">
+                <a:solidFill>
+                  <a:srgbClr val="0070C0"/>
+                </a:solidFill>
+              </a:rPr>
+              <a:t>uložiť</a:t>
+            </a:r>
+            <a:r>
+              <a:rPr lang="en-US" dirty="0">
+                <a:solidFill>
+                  <a:srgbClr val="0070C0"/>
+                </a:solidFill>
+              </a:rPr>
+              <a:t> do </a:t>
+            </a:r>
+            <a:r>
+              <a:rPr lang="en-US" dirty="0" err="1">
+                <a:solidFill>
+                  <a:srgbClr val="0070C0"/>
+                </a:solidFill>
+              </a:rPr>
+              <a:t>premennej</a:t>
+            </a:r>
+            <a:r>
+              <a:rPr lang="en-US" dirty="0">
+                <a:solidFill>
+                  <a:srgbClr val="0070C0"/>
+                </a:solidFill>
+              </a:rPr>
+              <a:t> a </a:t>
+            </a:r>
+            <a:r>
+              <a:rPr lang="en-US" dirty="0" err="1">
+                <a:solidFill>
+                  <a:srgbClr val="0070C0"/>
+                </a:solidFill>
+              </a:rPr>
+              <a:t>neskôr</a:t>
             </a:r>
             <a:r>
               <a:rPr lang="en-US" dirty="0">
@@ -4425,225 +4612,14 @@
                   <a:srgbClr val="0070C0"/>
                 </a:solidFill>
               </a:rPr>
-              <a:t>práve</a:t>
-            </a:r>
-            <a:r>
-              <a:rPr lang="en-US" dirty="0">
-                <a:solidFill>
-                  <a:srgbClr val="0070C0"/>
-                </a:solidFill>
-              </a:rPr>
-              <a:t> ten </a:t>
-            </a:r>
-            <a:r>
-              <a:rPr lang="en-US" dirty="0" err="1">
-                <a:solidFill>
-                  <a:srgbClr val="0070C0"/>
-                </a:solidFill>
-              </a:rPr>
-              <a:t>obsah</a:t>
-            </a:r>
-            <a:r>
-              <a:rPr lang="en-US" dirty="0">
-                <a:solidFill>
-                  <a:srgbClr val="0070C0"/>
-                </a:solidFill>
-              </a:rPr>
-              <a:t>, </a:t>
-            </a:r>
-            <a:r>
-              <a:rPr lang="en-US" dirty="0" err="1">
-                <a:solidFill>
-                  <a:srgbClr val="0070C0"/>
-                </a:solidFill>
-              </a:rPr>
-              <a:t>ktorý</a:t>
-            </a:r>
-            <a:r>
-              <a:rPr lang="en-US" dirty="0">
-                <a:solidFill>
-                  <a:srgbClr val="0070C0"/>
-                </a:solidFill>
-              </a:rPr>
-              <a:t> </a:t>
-            </a:r>
-            <a:r>
-              <a:rPr lang="en-US" dirty="0" err="1">
-                <a:solidFill>
-                  <a:srgbClr val="0070C0"/>
-                </a:solidFill>
-              </a:rPr>
-              <a:t>uživateľ</a:t>
-            </a:r>
-            <a:r>
-              <a:rPr lang="en-US" dirty="0">
-                <a:solidFill>
-                  <a:srgbClr val="0070C0"/>
-                </a:solidFill>
-              </a:rPr>
-              <a:t> </a:t>
-            </a:r>
-            <a:r>
-              <a:rPr lang="en-US" dirty="0" err="1">
-                <a:solidFill>
-                  <a:srgbClr val="0070C0"/>
-                </a:solidFill>
-              </a:rPr>
-              <a:t>napísal</a:t>
-            </a:r>
-            <a:endParaRPr lang="sk-SK" dirty="0">
+              <a:t>použiť</a:t>
+            </a:r>
+            <a:endParaRPr lang="en-US" dirty="0">
               <a:solidFill>
                 <a:srgbClr val="0070C0"/>
               </a:solidFill>
             </a:endParaRPr>
           </a:p>
-          <a:p>
-            <a:pPr algn="just"/>
-            <a:r>
-              <a:rPr lang="sk-SK" dirty="0">
-                <a:solidFill>
-                  <a:srgbClr val="0070C0"/>
-                </a:solidFill>
-              </a:rPr>
-              <a:t>t</a:t>
-            </a:r>
-            <a:r>
-              <a:rPr lang="en-US" dirty="0" err="1">
-                <a:solidFill>
-                  <a:srgbClr val="0070C0"/>
-                </a:solidFill>
-              </a:rPr>
-              <a:t>úto</a:t>
-            </a:r>
-            <a:r>
-              <a:rPr lang="en-US" dirty="0">
-                <a:solidFill>
-                  <a:srgbClr val="0070C0"/>
-                </a:solidFill>
-              </a:rPr>
-              <a:t> </a:t>
-            </a:r>
-            <a:r>
-              <a:rPr lang="en-US" dirty="0" err="1">
-                <a:solidFill>
-                  <a:srgbClr val="0070C0"/>
-                </a:solidFill>
-              </a:rPr>
-              <a:t>hodnotu</a:t>
-            </a:r>
-            <a:r>
-              <a:rPr lang="en-US" dirty="0">
-                <a:solidFill>
-                  <a:srgbClr val="0070C0"/>
-                </a:solidFill>
-              </a:rPr>
-              <a:t> </a:t>
-            </a:r>
-            <a:r>
-              <a:rPr lang="en-US" dirty="0" err="1">
-                <a:solidFill>
-                  <a:srgbClr val="0070C0"/>
-                </a:solidFill>
-              </a:rPr>
-              <a:t>si</a:t>
-            </a:r>
-            <a:r>
-              <a:rPr lang="en-US" dirty="0">
-                <a:solidFill>
-                  <a:srgbClr val="0070C0"/>
-                </a:solidFill>
-              </a:rPr>
-              <a:t> </a:t>
-            </a:r>
-            <a:r>
-              <a:rPr lang="en-US" dirty="0" err="1">
-                <a:solidFill>
-                  <a:srgbClr val="0070C0"/>
-                </a:solidFill>
-              </a:rPr>
-              <a:t>môž</a:t>
-            </a:r>
-            <a:r>
-              <a:rPr lang="sk-SK" dirty="0">
-                <a:solidFill>
-                  <a:srgbClr val="0070C0"/>
-                </a:solidFill>
-              </a:rPr>
-              <a:t>e</a:t>
-            </a:r>
-            <a:r>
-              <a:rPr lang="en-US" dirty="0">
-                <a:solidFill>
-                  <a:srgbClr val="0070C0"/>
-                </a:solidFill>
-              </a:rPr>
-              <a:t>me </a:t>
-            </a:r>
-            <a:r>
-              <a:rPr lang="en-US" dirty="0" err="1">
-                <a:solidFill>
-                  <a:srgbClr val="0070C0"/>
-                </a:solidFill>
-              </a:rPr>
-              <a:t>uložiť</a:t>
-            </a:r>
-            <a:r>
-              <a:rPr lang="en-US" dirty="0">
-                <a:solidFill>
-                  <a:srgbClr val="0070C0"/>
-                </a:solidFill>
-              </a:rPr>
-              <a:t> do </a:t>
-            </a:r>
-            <a:r>
-              <a:rPr lang="en-US" dirty="0" err="1">
-                <a:solidFill>
-                  <a:srgbClr val="0070C0"/>
-                </a:solidFill>
-              </a:rPr>
-              <a:t>premennej</a:t>
-            </a:r>
-            <a:r>
-              <a:rPr lang="en-US" dirty="0">
-                <a:solidFill>
-                  <a:srgbClr val="0070C0"/>
-                </a:solidFill>
-              </a:rPr>
-              <a:t> a </a:t>
-            </a:r>
-            <a:r>
-              <a:rPr lang="en-US" dirty="0" err="1">
-                <a:solidFill>
-                  <a:srgbClr val="0070C0"/>
-                </a:solidFill>
-              </a:rPr>
-              <a:t>neskôr</a:t>
-            </a:r>
-            <a:r>
-              <a:rPr lang="en-US" dirty="0">
-                <a:solidFill>
-                  <a:srgbClr val="0070C0"/>
-                </a:solidFill>
-              </a:rPr>
-              <a:t> </a:t>
-            </a:r>
-            <a:r>
-              <a:rPr lang="en-US" dirty="0" err="1">
-                <a:solidFill>
-                  <a:srgbClr val="0070C0"/>
-                </a:solidFill>
-              </a:rPr>
-              <a:t>použiť</a:t>
-            </a:r>
-            <a:r>
-              <a:rPr lang="en-US" dirty="0">
-                <a:solidFill>
-                  <a:srgbClr val="0070C0"/>
-                </a:solidFill>
-              </a:rPr>
-              <a:t>. </a:t>
-            </a:r>
-          </a:p>
         </p:txBody>
       </p:sp>
       <p:sp>
@@ -4702,7 +4678,7 @@
             </a:fld>
             <a:r>
               <a:rPr lang="sk-SK" sz="1600" dirty="0"/>
-              <a:t> /15</a:t>
+              <a:t> / 15</a:t>
             </a:r>
             <a:endParaRPr lang="en-US" sz="1600" dirty="0"/>
           </a:p>
@@ -5248,7 +5224,7 @@
             </a:fld>
             <a:r>
               <a:rPr lang="sk-SK" sz="1600" dirty="0"/>
-              <a:t> /15</a:t>
+              <a:t> / 15</a:t>
             </a:r>
             <a:endParaRPr lang="en-US" sz="1600" dirty="0"/>
           </a:p>
@@ -5719,7 +5695,7 @@
             </a:fld>
             <a:r>
               <a:rPr lang="sk-SK" sz="1600" dirty="0"/>
-              <a:t> /15</a:t>
+              <a:t> / 15</a:t>
             </a:r>
             <a:endParaRPr lang="en-US" sz="1600" dirty="0"/>
           </a:p>
@@ -5959,7 +5935,7 @@
             </a:fld>
             <a:r>
               <a:rPr lang="sk-SK" sz="1600" dirty="0"/>
-              <a:t> /15</a:t>
+              <a:t> / 15</a:t>
             </a:r>
             <a:endParaRPr lang="en-US" sz="1600" dirty="0"/>
           </a:p>
@@ -6403,7 +6379,7 @@
             </a:fld>
             <a:r>
               <a:rPr lang="sk-SK" sz="1600" dirty="0"/>
-              <a:t> /15</a:t>
+              <a:t> / 15</a:t>
             </a:r>
             <a:endParaRPr lang="en-US" sz="1600" dirty="0"/>
           </a:p>
@@ -6573,7 +6549,7 @@
             </a:fld>
             <a:r>
               <a:rPr lang="sk-SK" sz="1600" dirty="0"/>
-              <a:t> /15</a:t>
+              <a:t> / 15</a:t>
             </a:r>
           </a:p>
         </p:txBody>
@@ -6700,7 +6676,7 @@
         <p:spPr>
           <a:xfrm>
             <a:off x="838200" y="2983865"/>
-            <a:ext cx="10515600" cy="1141095"/>
+            <a:ext cx="10515600" cy="958215"/>
           </a:xfrm>
           <a:solidFill>
             <a:schemeClr val="accent6">
@@ -6745,7 +6721,9 @@
           </a:fontRef>
         </p:style>
         <p:txBody>
-          <a:bodyPr/>
+          <a:bodyPr>
+            <a:normAutofit lnSpcReduction="10000"/>
+          </a:bodyPr>
           <a:lstStyle/>
           <a:p>
             <a:pPr marL="0" indent="0" algn="ctr">
@@ -6755,7 +6733,7 @@
               <a:rPr lang="sk-SK" sz="3200" b="1" dirty="0">
                 <a:solidFill>
                   <a:schemeClr val="accent6">
-                    <a:lumMod val="50000"/>
+                    <a:lumMod val="75000"/>
                   </a:schemeClr>
                 </a:solidFill>
               </a:rPr>
@@ -6859,7 +6837,7 @@
             </a:fld>
             <a:r>
               <a:rPr lang="sk-SK" sz="1600" dirty="0"/>
-              <a:t>/15</a:t>
+              <a:t> / 15</a:t>
             </a:r>
             <a:endParaRPr lang="en-US" sz="1600" dirty="0"/>
           </a:p>
@@ -7553,12 +7531,28 @@
               <a:t>sa </a:t>
             </a:r>
             <a:r>
-              <a:rPr lang="en-US" dirty="0" err="1">
-                <a:solidFill>
-                  <a:srgbClr val="0070C0"/>
-                </a:solidFill>
-              </a:rPr>
-              <a:t>indetifikátor</a:t>
+              <a:rPr lang="en-US" dirty="0">
+                <a:solidFill>
+                  <a:srgbClr val="0070C0"/>
+                </a:solidFill>
+              </a:rPr>
+              <a:t>ide</a:t>
+            </a:r>
+            <a:r>
+              <a:rPr lang="sk-SK" dirty="0">
+                <a:solidFill>
+                  <a:srgbClr val="0070C0"/>
+                </a:solidFill>
+              </a:rPr>
+              <a:t>n</a:t>
+            </a:r>
+            <a:r>
+              <a:rPr lang="en-US" dirty="0" err="1">
+                <a:solidFill>
+                  <a:srgbClr val="0070C0"/>
+                </a:solidFill>
+              </a:rPr>
+              <a:t>tifikátor</a:t>
             </a:r>
             <a:r>
               <a:rPr lang="en-US" dirty="0">
@@ -7614,7 +7608,33 @@
                   <a:srgbClr val="0070C0"/>
                 </a:solidFill>
               </a:rPr>
-              <a:t> a </a:t>
+              <a:t> </a:t>
+            </a:r>
+            <a:endParaRPr lang="sk-SK" dirty="0">
+              <a:solidFill>
+                <a:srgbClr val="0070C0"/>
+              </a:solidFill>
+            </a:endParaRPr>
+          </a:p>
+          <a:p>
+            <a:pPr marL="0" indent="0" algn="just">
+              <a:buNone/>
+            </a:pPr>
+            <a:r>
+              <a:rPr lang="sk-SK" dirty="0">
+                <a:solidFill>
+                  <a:srgbClr val="0070C0"/>
+                </a:solidFill>
+              </a:rPr>
+              <a:t>   </a:t>
+            </a:r>
+            <a:r>
+              <a:rPr lang="en-US" dirty="0">
+                <a:solidFill>
+                  <a:srgbClr val="0070C0"/>
+                </a:solidFill>
+              </a:rPr>
+              <a:t>a </a:t>
             </a:r>
             <a:r>
               <a:rPr lang="en-US" dirty="0" err="1">
@@ -7646,15 +7666,23 @@
                   <a:srgbClr val="0070C0"/>
                 </a:solidFill>
               </a:rPr>
-              <a:t> </a:t>
-            </a:r>
-            <a:r>
-              <a:rPr lang="en-US" dirty="0" err="1">
-                <a:solidFill>
-                  <a:srgbClr val="0070C0"/>
-                </a:solidFill>
-              </a:rPr>
-              <a:t>može</a:t>
+              <a:t> m</a:t>
+            </a:r>
+            <a:r>
+              <a:rPr lang="sk-SK" dirty="0">
+                <a:solidFill>
+                  <a:srgbClr val="0070C0"/>
+                </a:solidFill>
+              </a:rPr>
+              <a:t>ô</a:t>
+            </a:r>
+            <a:r>
+              <a:rPr lang="en-US" dirty="0" err="1">
+                <a:solidFill>
+                  <a:srgbClr val="0070C0"/>
+                </a:solidFill>
+              </a:rPr>
+              <a:t>že</a:t>
             </a:r>
             <a:r>
               <a:rPr lang="en-US" dirty="0">
@@ -7736,7 +7764,7 @@
             </a:fld>
             <a:r>
               <a:rPr lang="sk-SK" sz="1600" dirty="0"/>
-              <a:t> /15</a:t>
+              <a:t> / 15</a:t>
             </a:r>
             <a:endParaRPr lang="en-US" sz="1600" dirty="0"/>
           </a:p>
@@ -7999,7 +8027,7 @@
             </a:fld>
             <a:r>
               <a:rPr lang="sk-SK" sz="1600" dirty="0"/>
-              <a:t> /15</a:t>
+              <a:t> / 15</a:t>
             </a:r>
             <a:endParaRPr lang="en-US" sz="1600" dirty="0"/>
           </a:p>
@@ -8713,7 +8741,7 @@
             </a:fld>
             <a:r>
               <a:rPr lang="sk-SK" sz="1600" dirty="0"/>
-              <a:t> /15</a:t>
+              <a:t> / 15</a:t>
             </a:r>
             <a:endParaRPr lang="en-US" sz="1600" dirty="0"/>
           </a:p>
@@ -9736,7 +9764,7 @@
             </a:fld>
             <a:r>
               <a:rPr lang="sk-SK" sz="1600" dirty="0"/>
-              <a:t> /15</a:t>
+              <a:t> / 15</a:t>
             </a:r>
             <a:endParaRPr lang="en-US" sz="1600" dirty="0"/>
           </a:p>
@@ -10277,7 +10305,7 @@
             </a:fld>
             <a:r>
               <a:rPr lang="sk-SK" sz="1600" dirty="0"/>
-              <a:t> /15</a:t>
+              <a:t> / 15</a:t>
             </a:r>
             <a:endParaRPr lang="en-US" sz="1600" dirty="0"/>
           </a:p>
@@ -10893,7 +10921,7 @@
             </a:fld>
             <a:r>
               <a:rPr lang="sk-SK" sz="1600" dirty="0"/>
-              <a:t> /15</a:t>
+              <a:t> / 15</a:t>
             </a:r>
             <a:endParaRPr lang="en-US" sz="1600" dirty="0"/>
           </a:p>
@@ -11063,7 +11091,7 @@
             </a:fld>
             <a:r>
               <a:rPr lang="sk-SK" sz="1600" dirty="0"/>
-              <a:t> /15</a:t>
+              <a:t> / 15</a:t>
             </a:r>
             <a:endParaRPr lang="en-US" sz="1600" dirty="0"/>
           </a:p>
